--- a/Lectures/02-Introduction to Problem Solving.pptx
+++ b/Lectures/02-Introduction to Problem Solving.pptx
@@ -125,6 +125,11 @@
       </a:defRPr>
     </a:lvl9pPr>
   </p:defaultTextStyle>
+  <p:extLst>
+    <p:ext uri="{EFAFB233-063F-42B5-8137-9DF3F51BA10A}">
+      <p15:sldGuideLst xmlns:p15="http://schemas.microsoft.com/office/powerpoint/2012/main"/>
+    </p:ext>
+  </p:extLst>
 </p:presentation>
 </file>
 
@@ -314,7 +319,7 @@
           <a:p>
             <a:fld id="{15FB078F-D95F-437B-A210-54A50897DC65}" type="datetimeFigureOut">
               <a:rPr lang="en-US" smtClean="0"/>
-              <a:t>10/6/2024</a:t>
+              <a:t>11/11/2024</a:t>
             </a:fld>
             <a:endParaRPr lang="en-US"/>
           </a:p>
@@ -589,7 +594,7 @@
           <a:p>
             <a:fld id="{15FB078F-D95F-437B-A210-54A50897DC65}" type="datetimeFigureOut">
               <a:rPr lang="en-US" smtClean="0"/>
-              <a:t>10/6/2024</a:t>
+              <a:t>11/11/2024</a:t>
             </a:fld>
             <a:endParaRPr lang="en-US"/>
           </a:p>
@@ -783,7 +788,7 @@
           <a:p>
             <a:fld id="{15FB078F-D95F-437B-A210-54A50897DC65}" type="datetimeFigureOut">
               <a:rPr lang="en-US" smtClean="0"/>
-              <a:t>10/6/2024</a:t>
+              <a:t>11/11/2024</a:t>
             </a:fld>
             <a:endParaRPr lang="en-US"/>
           </a:p>
@@ -1056,7 +1061,7 @@
           <a:p>
             <a:fld id="{15FB078F-D95F-437B-A210-54A50897DC65}" type="datetimeFigureOut">
               <a:rPr lang="en-US" smtClean="0"/>
-              <a:t>10/6/2024</a:t>
+              <a:t>11/11/2024</a:t>
             </a:fld>
             <a:endParaRPr lang="en-US"/>
           </a:p>
@@ -1397,7 +1402,7 @@
           <a:p>
             <a:fld id="{15FB078F-D95F-437B-A210-54A50897DC65}" type="datetimeFigureOut">
               <a:rPr lang="en-US" smtClean="0"/>
-              <a:t>10/6/2024</a:t>
+              <a:t>11/11/2024</a:t>
             </a:fld>
             <a:endParaRPr lang="en-US"/>
           </a:p>
@@ -2020,7 +2025,7 @@
           <a:p>
             <a:fld id="{15FB078F-D95F-437B-A210-54A50897DC65}" type="datetimeFigureOut">
               <a:rPr lang="en-US" smtClean="0"/>
-              <a:t>10/6/2024</a:t>
+              <a:t>11/11/2024</a:t>
             </a:fld>
             <a:endParaRPr lang="en-US"/>
           </a:p>
@@ -2880,7 +2885,7 @@
           <a:p>
             <a:fld id="{15FB078F-D95F-437B-A210-54A50897DC65}" type="datetimeFigureOut">
               <a:rPr lang="en-US" smtClean="0"/>
-              <a:t>10/6/2024</a:t>
+              <a:t>11/11/2024</a:t>
             </a:fld>
             <a:endParaRPr lang="en-US"/>
           </a:p>
@@ -3050,7 +3055,7 @@
           <a:p>
             <a:fld id="{15FB078F-D95F-437B-A210-54A50897DC65}" type="datetimeFigureOut">
               <a:rPr lang="en-US" smtClean="0"/>
-              <a:t>10/6/2024</a:t>
+              <a:t>11/11/2024</a:t>
             </a:fld>
             <a:endParaRPr lang="en-US"/>
           </a:p>
@@ -3230,7 +3235,7 @@
           <a:p>
             <a:fld id="{15FB078F-D95F-437B-A210-54A50897DC65}" type="datetimeFigureOut">
               <a:rPr lang="en-US" smtClean="0"/>
-              <a:t>10/6/2024</a:t>
+              <a:t>11/11/2024</a:t>
             </a:fld>
             <a:endParaRPr lang="en-US"/>
           </a:p>
@@ -3400,7 +3405,7 @@
           <a:p>
             <a:fld id="{15FB078F-D95F-437B-A210-54A50897DC65}" type="datetimeFigureOut">
               <a:rPr lang="en-US" smtClean="0"/>
-              <a:t>10/6/2024</a:t>
+              <a:t>11/11/2024</a:t>
             </a:fld>
             <a:endParaRPr lang="en-US"/>
           </a:p>
@@ -3647,7 +3652,7 @@
           <a:p>
             <a:fld id="{15FB078F-D95F-437B-A210-54A50897DC65}" type="datetimeFigureOut">
               <a:rPr lang="en-US" smtClean="0"/>
-              <a:t>10/6/2024</a:t>
+              <a:t>11/11/2024</a:t>
             </a:fld>
             <a:endParaRPr lang="en-US"/>
           </a:p>
@@ -3939,7 +3944,7 @@
           <a:p>
             <a:fld id="{15FB078F-D95F-437B-A210-54A50897DC65}" type="datetimeFigureOut">
               <a:rPr lang="en-US" smtClean="0"/>
-              <a:t>10/6/2024</a:t>
+              <a:t>11/11/2024</a:t>
             </a:fld>
             <a:endParaRPr lang="en-US"/>
           </a:p>
@@ -4383,7 +4388,7 @@
           <a:p>
             <a:fld id="{15FB078F-D95F-437B-A210-54A50897DC65}" type="datetimeFigureOut">
               <a:rPr lang="en-US" smtClean="0"/>
-              <a:t>10/6/2024</a:t>
+              <a:t>11/11/2024</a:t>
             </a:fld>
             <a:endParaRPr lang="en-US"/>
           </a:p>
@@ -4501,7 +4506,7 @@
           <a:p>
             <a:fld id="{15FB078F-D95F-437B-A210-54A50897DC65}" type="datetimeFigureOut">
               <a:rPr lang="en-US" smtClean="0"/>
-              <a:t>10/6/2024</a:t>
+              <a:t>11/11/2024</a:t>
             </a:fld>
             <a:endParaRPr lang="en-US"/>
           </a:p>
@@ -4596,7 +4601,7 @@
           <a:p>
             <a:fld id="{15FB078F-D95F-437B-A210-54A50897DC65}" type="datetimeFigureOut">
               <a:rPr lang="en-US" smtClean="0"/>
-              <a:t>10/6/2024</a:t>
+              <a:t>11/11/2024</a:t>
             </a:fld>
             <a:endParaRPr lang="en-US"/>
           </a:p>
@@ -4875,7 +4880,7 @@
           <a:p>
             <a:fld id="{15FB078F-D95F-437B-A210-54A50897DC65}" type="datetimeFigureOut">
               <a:rPr lang="en-US" smtClean="0"/>
-              <a:t>10/6/2024</a:t>
+              <a:t>11/11/2024</a:t>
             </a:fld>
             <a:endParaRPr lang="en-US"/>
           </a:p>
@@ -5150,7 +5155,7 @@
           <a:p>
             <a:fld id="{15FB078F-D95F-437B-A210-54A50897DC65}" type="datetimeFigureOut">
               <a:rPr lang="en-US" smtClean="0"/>
-              <a:t>10/6/2024</a:t>
+              <a:t>11/11/2024</a:t>
             </a:fld>
             <a:endParaRPr lang="en-US"/>
           </a:p>
@@ -5582,7 +5587,7 @@
           <a:p>
             <a:fld id="{15FB078F-D95F-437B-A210-54A50897DC65}" type="datetimeFigureOut">
               <a:rPr lang="en-US" smtClean="0"/>
-              <a:t>10/6/2024</a:t>
+              <a:t>11/11/2024</a:t>
             </a:fld>
             <a:endParaRPr lang="en-US"/>
           </a:p>
@@ -8797,10 +8802,18 @@
           <a:lstStyle/>
           <a:p>
             <a:r>
-              <a:rPr lang="en-US" dirty="0" smtClean="0"/>
+              <a:rPr lang="en-US" dirty="0" smtClean="0">
+                <a:solidFill>
+                  <a:srgbClr val="FF0000"/>
+                </a:solidFill>
+              </a:rPr>
               <a:t>Problem Solving</a:t>
             </a:r>
-            <a:endParaRPr lang="en-US" dirty="0"/>
+            <a:endParaRPr lang="en-US" dirty="0">
+              <a:solidFill>
+                <a:srgbClr val="FF0000"/>
+              </a:solidFill>
+            </a:endParaRPr>
           </a:p>
         </p:txBody>
       </p:sp>
